--- a/lessons/Day5/A_Agents_LLMs.pptx
+++ b/lessons/Day5/A_Agents_LLMs.pptx
@@ -5,7 +5,7 @@
     <p:sldMasterId id="2147483648" r:id="rId1"/>
   </p:sldMasterIdLst>
   <p:notesMasterIdLst>
-    <p:notesMasterId r:id="rId9"/>
+    <p:notesMasterId r:id="rId8"/>
   </p:notesMasterIdLst>
   <p:sldIdLst>
     <p:sldId id="327" r:id="rId2"/>
@@ -14,7 +14,6 @@
     <p:sldId id="328" r:id="rId5"/>
     <p:sldId id="329" r:id="rId6"/>
     <p:sldId id="330" r:id="rId7"/>
-    <p:sldId id="352" r:id="rId8"/>
   </p:sldIdLst>
   <p:sldSz cx="9144000" cy="5143500" type="screen16x9"/>
   <p:notesSz cx="6858000" cy="9144000"/>
@@ -613,7 +612,7 @@
           </a:ln>
           <a:extLst>
             <a:ext uri="{C572A759-6A51-4108-AA02-DFA0A04FC94B}">
-              <ma14:wrappingTextBoxFlag xmlns="" xmlns:m="http://schemas.openxmlformats.org/officeDocument/2006/math" xmlns:a14="http://schemas.microsoft.com/office/drawing/2010/main" xmlns:ma14="http://schemas.microsoft.com/office/mac/drawingml/2011/main" val="1"/>
+              <ma14:wrappingTextBoxFlag xmlns:ma14="http://schemas.microsoft.com/office/mac/drawingml/2011/main" xmlns:a14="http://schemas.microsoft.com/office/drawing/2010/main" xmlns:m="http://schemas.openxmlformats.org/officeDocument/2006/math" xmlns="" val="1"/>
             </a:ext>
           </a:extLst>
         </p:spPr>
@@ -652,7 +651,7 @@
           </a:ln>
           <a:extLst>
             <a:ext uri="{C572A759-6A51-4108-AA02-DFA0A04FC94B}">
-              <ma14:wrappingTextBoxFlag xmlns="" xmlns:m="http://schemas.openxmlformats.org/officeDocument/2006/math" xmlns:a14="http://schemas.microsoft.com/office/drawing/2010/main" xmlns:ma14="http://schemas.microsoft.com/office/mac/drawingml/2011/main" val="1"/>
+              <ma14:wrappingTextBoxFlag xmlns:ma14="http://schemas.microsoft.com/office/mac/drawingml/2011/main" xmlns:a14="http://schemas.microsoft.com/office/drawing/2010/main" xmlns:m="http://schemas.openxmlformats.org/officeDocument/2006/math" xmlns="" val="1"/>
             </a:ext>
           </a:extLst>
         </p:spPr>
@@ -1511,12 +1510,12 @@
         <p:spPr>
           <a:xfrm>
             <a:off x="163286" y="1749149"/>
-            <a:ext cx="5470072" cy="2050241"/>
+            <a:ext cx="4808764" cy="2050241"/>
           </a:xfrm>
         </p:spPr>
         <p:txBody>
           <a:bodyPr>
-            <a:normAutofit/>
+            <a:normAutofit fontScale="90000"/>
           </a:bodyPr>
           <a:lstStyle/>
           <a:p>
@@ -1535,6 +1534,25 @@
               <a:rPr lang="en-US" sz="2000" dirty="0"/>
               <a:t>Multiple LLMs will interact to solve subset tasks leading to a goal.  </a:t>
             </a:r>
+            <a:br>
+              <a:rPr lang="en-US" sz="2000" dirty="0"/>
+            </a:br>
+            <a:br>
+              <a:rPr lang="en-US" sz="2000" dirty="0"/>
+            </a:br>
+            <a:r>
+              <a:rPr lang="en-US" sz="1600" dirty="0">
+                <a:solidFill>
+                  <a:schemeClr val="accent4"/>
+                </a:solidFill>
+              </a:rPr>
+              <a:t>Because it’s an emergent field, some define functionality that is a “prompt chain” while others have “LLM orchestration over LLMs” </a:t>
+            </a:r>
+            <a:endParaRPr lang="en-US" sz="2000" dirty="0">
+              <a:solidFill>
+                <a:schemeClr val="accent4"/>
+              </a:solidFill>
+            </a:endParaRPr>
           </a:p>
         </p:txBody>
       </p:sp>
@@ -2077,9 +2095,16 @@
             <p:ph type="title"/>
           </p:nvPr>
         </p:nvSpPr>
-        <p:spPr/>
+        <p:spPr>
+          <a:xfrm>
+            <a:off x="225824" y="1427117"/>
+            <a:ext cx="3456269" cy="594000"/>
+          </a:xfrm>
+        </p:spPr>
         <p:txBody>
-          <a:bodyPr/>
+          <a:bodyPr>
+            <a:normAutofit fontScale="90000"/>
+          </a:bodyPr>
           <a:lstStyle/>
           <a:p>
             <a:r>
@@ -2088,7 +2113,7 @@
             </a:r>
             <a:r>
               <a:rPr lang="en-US" dirty="0" err="1"/>
-              <a:t>F_agenticExample.R</a:t>
+              <a:t>E_promptChainExample.R</a:t>
             </a:r>
             <a:endParaRPr lang="en-US" dirty="0"/>
           </a:p>
@@ -2177,22 +2202,29 @@
             <p:ph type="title"/>
           </p:nvPr>
         </p:nvSpPr>
-        <p:spPr/>
+        <p:spPr>
+          <a:xfrm>
+            <a:off x="225824" y="137160"/>
+            <a:ext cx="8918176" cy="594000"/>
+          </a:xfrm>
+        </p:spPr>
         <p:txBody>
           <a:bodyPr>
-            <a:normAutofit fontScale="90000"/>
+            <a:noAutofit/>
           </a:bodyPr>
           <a:lstStyle/>
           <a:p>
             <a:r>
-              <a:rPr lang="en-US" dirty="0"/>
-              <a:t>Primer on Agentic Systems – see video </a:t>
+              <a:rPr lang="en-US" sz="2000" dirty="0"/>
+              <a:t>Primer on Agentic Systems – see bad quality in repo or YouTube  </a:t>
             </a:r>
             <a:r>
-              <a:rPr lang="en-US" sz="2000" dirty="0"/>
-              <a:t>agentic_explanation.mp4</a:t>
+              <a:rPr lang="en-US" sz="2000" dirty="0">
+                <a:hlinkClick r:id="rId2"/>
+              </a:rPr>
+              <a:t>video</a:t>
             </a:r>
-            <a:endParaRPr lang="en-US" dirty="0"/>
+            <a:endParaRPr lang="en-US" sz="2000" dirty="0"/>
           </a:p>
         </p:txBody>
       </p:sp>
@@ -2211,7 +2243,7 @@
           <p:nvPr/>
         </p:nvPicPr>
         <p:blipFill>
-          <a:blip r:embed="rId2"/>
+          <a:blip r:embed="rId3"/>
           <a:stretch>
             <a:fillRect/>
           </a:stretch>
@@ -2287,11 +2319,21 @@
           <a:p>
             <a:r>
               <a:rPr lang="en-US" dirty="0"/>
-              <a:t>Agentic Workflows can become more complicated – </a:t>
+              <a:t>Chaining Workflows–</a:t>
+            </a:r>
+            <a:r>
+              <a:rPr lang="en-US" sz="2800" dirty="0"/>
+              <a:t> see bad quality in repo or YouTube</a:t>
             </a:r>
             <a:r>
               <a:rPr lang="en-US" sz="2700" dirty="0"/>
-              <a:t>see video 7_agents.mp4</a:t>
+              <a:t> </a:t>
+            </a:r>
+            <a:r>
+              <a:rPr lang="en-US" sz="2700" dirty="0">
+                <a:hlinkClick r:id="rId2"/>
+              </a:rPr>
+              <a:t>video</a:t>
             </a:r>
             <a:endParaRPr lang="en-US" dirty="0"/>
           </a:p>
@@ -2312,7 +2354,7 @@
           <p:nvPr/>
         </p:nvPicPr>
         <p:blipFill>
-          <a:blip r:embed="rId2"/>
+          <a:blip r:embed="rId3"/>
           <a:stretch>
             <a:fillRect/>
           </a:stretch>
@@ -2331,65 +2373,6 @@
     <p:extLst>
       <p:ext uri="{BB962C8B-B14F-4D97-AF65-F5344CB8AC3E}">
         <p14:creationId xmlns:p14="http://schemas.microsoft.com/office/powerpoint/2010/main" val="1109680208"/>
-      </p:ext>
-    </p:extLst>
-  </p:cSld>
-  <p:clrMapOvr>
-    <a:masterClrMapping/>
-  </p:clrMapOvr>
-  <p:transition spd="med"/>
-</p:sld>
-</file>
-
-<file path=ppt/slides/slide7.xml><?xml version="1.0" encoding="utf-8"?>
-<p:sld xmlns:a="http://schemas.openxmlformats.org/drawingml/2006/main" xmlns:r="http://schemas.openxmlformats.org/officeDocument/2006/relationships" xmlns:p="http://schemas.openxmlformats.org/presentationml/2006/main">
-  <p:cSld>
-    <p:spTree>
-      <p:nvGrpSpPr>
-        <p:cNvPr id="1" name=""/>
-        <p:cNvGrpSpPr/>
-        <p:nvPr/>
-      </p:nvGrpSpPr>
-      <p:grpSpPr>
-        <a:xfrm>
-          <a:off x="0" y="0"/>
-          <a:ext cx="0" cy="0"/>
-          <a:chOff x="0" y="0"/>
-          <a:chExt cx="0" cy="0"/>
-        </a:xfrm>
-      </p:grpSpPr>
-      <p:sp>
-        <p:nvSpPr>
-          <p:cNvPr id="2" name="Title 1">
-            <a:extLst>
-              <a:ext uri="{FF2B5EF4-FFF2-40B4-BE49-F238E27FC236}">
-                <a16:creationId xmlns:a16="http://schemas.microsoft.com/office/drawing/2014/main" id="{0B4E4990-38B0-B8B7-6226-717FF7BDEE8D}"/>
-              </a:ext>
-            </a:extLst>
-          </p:cNvPr>
-          <p:cNvSpPr>
-            <a:spLocks noGrp="1"/>
-          </p:cNvSpPr>
-          <p:nvPr>
-            <p:ph type="title"/>
-          </p:nvPr>
-        </p:nvSpPr>
-        <p:spPr/>
-        <p:txBody>
-          <a:bodyPr/>
-          <a:lstStyle/>
-          <a:p>
-            <a:r>
-              <a:rPr lang="en-US" dirty="0"/>
-              <a:t>Appendix</a:t>
-            </a:r>
-          </a:p>
-        </p:txBody>
-      </p:sp>
-    </p:spTree>
-    <p:extLst>
-      <p:ext uri="{BB962C8B-B14F-4D97-AF65-F5344CB8AC3E}">
-        <p14:creationId xmlns:p14="http://schemas.microsoft.com/office/powerpoint/2010/main" val="495265433"/>
       </p:ext>
     </p:extLst>
   </p:cSld>
